--- a/Doc/PictureMerge.pptx
+++ b/Doc/PictureMerge.pptx
@@ -6,6 +6,7 @@
   </p:sldMasterIdLst>
   <p:sldIdLst>
     <p:sldId id="256" r:id="rId2"/>
+    <p:sldId id="257" r:id="rId3"/>
   </p:sldIdLst>
   <p:sldSz cx="12192000" cy="6858000"/>
   <p:notesSz cx="6858000" cy="9144000"/>
@@ -104,19 +105,207 @@
       </a:defRPr>
     </a:lvl9pPr>
   </p:defaultTextStyle>
+  <p:extLst>
+    <p:ext uri="{EFAFB233-063F-42B5-8137-9DF3F51BA10A}">
+      <p15:sldGuideLst xmlns:p15="http://schemas.microsoft.com/office/powerpoint/2012/main"/>
+    </p:ext>
+  </p:extLst>
 </p:presentation>
 </file>
 
 <file path=ppt/revisionInfo.xml><?xml version="1.0" encoding="utf-8"?>
 <p1510:revInfo xmlns:a="http://schemas.openxmlformats.org/drawingml/2006/main" xmlns:r="http://schemas.openxmlformats.org/officeDocument/2006/relationships" xmlns:p1510="http://schemas.microsoft.com/office/powerpoint/2015/10/main">
   <p1510:revLst>
-    <p1510:client id="{0E5A6FC6-F6DF-468D-B330-A7CE6DC8BE5E}" v="3" dt="2022-08-11T14:30:13.290"/>
+    <p1510:client id="{DBB1EA01-B783-4754-B0D6-281DE9AD6410}" v="4" dt="2022-08-20T05:19:11.104"/>
   </p1510:revLst>
 </p1510:revInfo>
 </file>
 
 <file path=ppt/changesInfos/changesInfo1.xml><?xml version="1.0" encoding="utf-8"?>
 <pc:chgInfo xmlns:a="http://schemas.openxmlformats.org/drawingml/2006/main" xmlns:r="http://schemas.openxmlformats.org/officeDocument/2006/relationships" xmlns:ac="http://schemas.microsoft.com/office/drawing/2013/main/command" xmlns:pc="http://schemas.microsoft.com/office/powerpoint/2013/main/command">
+  <pc:docChgLst>
+    <pc:chgData name="Xinglin Yu" userId="4801e06f-c74b-485f-b362-ab0302cee3b8" providerId="ADAL" clId="{DBB1EA01-B783-4754-B0D6-281DE9AD6410}"/>
+    <pc:docChg chg="custSel addSld modSld">
+      <pc:chgData name="Xinglin Yu" userId="4801e06f-c74b-485f-b362-ab0302cee3b8" providerId="ADAL" clId="{DBB1EA01-B783-4754-B0D6-281DE9AD6410}" dt="2022-08-20T05:19:17.023" v="88" actId="14100"/>
+      <pc:docMkLst>
+        <pc:docMk/>
+      </pc:docMkLst>
+      <pc:sldChg chg="addSp delSp modSp mod">
+        <pc:chgData name="Xinglin Yu" userId="4801e06f-c74b-485f-b362-ab0302cee3b8" providerId="ADAL" clId="{DBB1EA01-B783-4754-B0D6-281DE9AD6410}" dt="2022-08-20T03:11:44.298" v="82" actId="1076"/>
+        <pc:sldMkLst>
+          <pc:docMk/>
+          <pc:sldMk cId="639808581" sldId="256"/>
+        </pc:sldMkLst>
+        <pc:spChg chg="add mod">
+          <ac:chgData name="Xinglin Yu" userId="4801e06f-c74b-485f-b362-ab0302cee3b8" providerId="ADAL" clId="{DBB1EA01-B783-4754-B0D6-281DE9AD6410}" dt="2022-08-20T02:49:34.485" v="69" actId="1076"/>
+          <ac:spMkLst>
+            <pc:docMk/>
+            <pc:sldMk cId="639808581" sldId="256"/>
+            <ac:spMk id="16" creationId="{90369E94-9F14-3DD9-115D-69BFB0582011}"/>
+          </ac:spMkLst>
+        </pc:spChg>
+        <pc:spChg chg="add mod">
+          <ac:chgData name="Xinglin Yu" userId="4801e06f-c74b-485f-b362-ab0302cee3b8" providerId="ADAL" clId="{DBB1EA01-B783-4754-B0D6-281DE9AD6410}" dt="2022-08-20T02:49:34.485" v="69" actId="1076"/>
+          <ac:spMkLst>
+            <pc:docMk/>
+            <pc:sldMk cId="639808581" sldId="256"/>
+            <ac:spMk id="18" creationId="{150291C8-870C-FC01-360E-16CD3E03CED0}"/>
+          </ac:spMkLst>
+        </pc:spChg>
+        <pc:spChg chg="add mod">
+          <ac:chgData name="Xinglin Yu" userId="4801e06f-c74b-485f-b362-ab0302cee3b8" providerId="ADAL" clId="{DBB1EA01-B783-4754-B0D6-281DE9AD6410}" dt="2022-08-20T02:49:34.485" v="69" actId="1076"/>
+          <ac:spMkLst>
+            <pc:docMk/>
+            <pc:sldMk cId="639808581" sldId="256"/>
+            <ac:spMk id="20" creationId="{AA1FB8C1-660D-1367-291F-7A10D31AC4AA}"/>
+          </ac:spMkLst>
+        </pc:spChg>
+        <pc:spChg chg="add mod">
+          <ac:chgData name="Xinglin Yu" userId="4801e06f-c74b-485f-b362-ab0302cee3b8" providerId="ADAL" clId="{DBB1EA01-B783-4754-B0D6-281DE9AD6410}" dt="2022-08-20T02:49:34.485" v="69" actId="1076"/>
+          <ac:spMkLst>
+            <pc:docMk/>
+            <pc:sldMk cId="639808581" sldId="256"/>
+            <ac:spMk id="22" creationId="{413158EC-1576-C507-9C71-4F38718FB02D}"/>
+          </ac:spMkLst>
+        </pc:spChg>
+        <pc:spChg chg="add mod">
+          <ac:chgData name="Xinglin Yu" userId="4801e06f-c74b-485f-b362-ab0302cee3b8" providerId="ADAL" clId="{DBB1EA01-B783-4754-B0D6-281DE9AD6410}" dt="2022-08-20T02:48:50.678" v="47" actId="1076"/>
+          <ac:spMkLst>
+            <pc:docMk/>
+            <pc:sldMk cId="639808581" sldId="256"/>
+            <ac:spMk id="23" creationId="{A3D41C89-43E8-2B35-CCEE-D375BDD52CF5}"/>
+          </ac:spMkLst>
+        </pc:spChg>
+        <pc:spChg chg="add mod">
+          <ac:chgData name="Xinglin Yu" userId="4801e06f-c74b-485f-b362-ab0302cee3b8" providerId="ADAL" clId="{DBB1EA01-B783-4754-B0D6-281DE9AD6410}" dt="2022-08-20T02:50:27.904" v="73" actId="20577"/>
+          <ac:spMkLst>
+            <pc:docMk/>
+            <pc:sldMk cId="639808581" sldId="256"/>
+            <ac:spMk id="25" creationId="{BDF6FD15-A703-BD5E-E3B3-0327210736D0}"/>
+          </ac:spMkLst>
+        </pc:spChg>
+        <pc:spChg chg="add mod">
+          <ac:chgData name="Xinglin Yu" userId="4801e06f-c74b-485f-b362-ab0302cee3b8" providerId="ADAL" clId="{DBB1EA01-B783-4754-B0D6-281DE9AD6410}" dt="2022-08-20T02:49:13.683" v="66" actId="20577"/>
+          <ac:spMkLst>
+            <pc:docMk/>
+            <pc:sldMk cId="639808581" sldId="256"/>
+            <ac:spMk id="27" creationId="{3C7CECF9-45F9-3D3F-D5EB-689FD5BD4093}"/>
+          </ac:spMkLst>
+        </pc:spChg>
+        <pc:spChg chg="del mod">
+          <ac:chgData name="Xinglin Yu" userId="4801e06f-c74b-485f-b362-ab0302cee3b8" providerId="ADAL" clId="{DBB1EA01-B783-4754-B0D6-281DE9AD6410}" dt="2022-08-20T02:49:26.410" v="68" actId="478"/>
+          <ac:spMkLst>
+            <pc:docMk/>
+            <pc:sldMk cId="639808581" sldId="256"/>
+            <ac:spMk id="29" creationId="{4CC23366-8A8F-5068-5309-53D5B96CEA82}"/>
+          </ac:spMkLst>
+        </pc:spChg>
+        <pc:spChg chg="add mod">
+          <ac:chgData name="Xinglin Yu" userId="4801e06f-c74b-485f-b362-ab0302cee3b8" providerId="ADAL" clId="{DBB1EA01-B783-4754-B0D6-281DE9AD6410}" dt="2022-08-20T03:11:44.298" v="82" actId="1076"/>
+          <ac:spMkLst>
+            <pc:docMk/>
+            <pc:sldMk cId="639808581" sldId="256"/>
+            <ac:spMk id="30" creationId="{EE51208D-4E00-ED98-7983-577CC27D5C98}"/>
+          </ac:spMkLst>
+        </pc:spChg>
+        <pc:spChg chg="del">
+          <ac:chgData name="Xinglin Yu" userId="4801e06f-c74b-485f-b362-ab0302cee3b8" providerId="ADAL" clId="{DBB1EA01-B783-4754-B0D6-281DE9AD6410}" dt="2022-08-20T02:45:35.978" v="5" actId="478"/>
+          <ac:spMkLst>
+            <pc:docMk/>
+            <pc:sldMk cId="639808581" sldId="256"/>
+            <ac:spMk id="36" creationId="{2225DAA7-3AF6-22A7-C44D-3D6D11F8118F}"/>
+          </ac:spMkLst>
+        </pc:spChg>
+        <pc:spChg chg="del">
+          <ac:chgData name="Xinglin Yu" userId="4801e06f-c74b-485f-b362-ab0302cee3b8" providerId="ADAL" clId="{DBB1EA01-B783-4754-B0D6-281DE9AD6410}" dt="2022-08-20T02:45:35.978" v="5" actId="478"/>
+          <ac:spMkLst>
+            <pc:docMk/>
+            <pc:sldMk cId="639808581" sldId="256"/>
+            <ac:spMk id="44" creationId="{A8BFF57D-08E8-3D91-DA92-DEE493C4073D}"/>
+          </ac:spMkLst>
+        </pc:spChg>
+        <pc:picChg chg="add mod">
+          <ac:chgData name="Xinglin Yu" userId="4801e06f-c74b-485f-b362-ab0302cee3b8" providerId="ADAL" clId="{DBB1EA01-B783-4754-B0D6-281DE9AD6410}" dt="2022-08-20T02:45:46.021" v="8" actId="1076"/>
+          <ac:picMkLst>
+            <pc:docMk/>
+            <pc:sldMk cId="639808581" sldId="256"/>
+            <ac:picMk id="3" creationId="{BF82CCBE-BB9F-B949-AFBA-D447D6A0E8F0}"/>
+          </ac:picMkLst>
+        </pc:picChg>
+        <pc:picChg chg="del">
+          <ac:chgData name="Xinglin Yu" userId="4801e06f-c74b-485f-b362-ab0302cee3b8" providerId="ADAL" clId="{DBB1EA01-B783-4754-B0D6-281DE9AD6410}" dt="2022-08-20T02:45:38.656" v="6" actId="478"/>
+          <ac:picMkLst>
+            <pc:docMk/>
+            <pc:sldMk cId="639808581" sldId="256"/>
+            <ac:picMk id="11" creationId="{B6D601F5-41A6-F527-AA12-9F4403B4630D}"/>
+          </ac:picMkLst>
+        </pc:picChg>
+        <pc:picChg chg="del">
+          <ac:chgData name="Xinglin Yu" userId="4801e06f-c74b-485f-b362-ab0302cee3b8" providerId="ADAL" clId="{DBB1EA01-B783-4754-B0D6-281DE9AD6410}" dt="2022-08-20T02:45:35.978" v="5" actId="478"/>
+          <ac:picMkLst>
+            <pc:docMk/>
+            <pc:sldMk cId="639808581" sldId="256"/>
+            <ac:picMk id="13" creationId="{28545ED0-F28F-EB53-1A8C-3CD6EF614420}"/>
+          </ac:picMkLst>
+        </pc:picChg>
+        <pc:picChg chg="del">
+          <ac:chgData name="Xinglin Yu" userId="4801e06f-c74b-485f-b362-ab0302cee3b8" providerId="ADAL" clId="{DBB1EA01-B783-4754-B0D6-281DE9AD6410}" dt="2022-08-20T02:45:35.978" v="5" actId="478"/>
+          <ac:picMkLst>
+            <pc:docMk/>
+            <pc:sldMk cId="639808581" sldId="256"/>
+            <ac:picMk id="52" creationId="{0EAE333F-CDC4-6954-5817-946038E36883}"/>
+          </ac:picMkLst>
+        </pc:picChg>
+        <pc:cxnChg chg="add del mod">
+          <ac:chgData name="Xinglin Yu" userId="4801e06f-c74b-485f-b362-ab0302cee3b8" providerId="ADAL" clId="{DBB1EA01-B783-4754-B0D6-281DE9AD6410}" dt="2022-08-20T02:46:40.183" v="14" actId="478"/>
+          <ac:cxnSpMkLst>
+            <pc:docMk/>
+            <pc:sldMk cId="639808581" sldId="256"/>
+            <ac:cxnSpMk id="5" creationId="{0A47FC8C-E2E0-7ACB-D08B-3787F3EBAD76}"/>
+          </ac:cxnSpMkLst>
+        </pc:cxnChg>
+        <pc:cxnChg chg="add mod">
+          <ac:chgData name="Xinglin Yu" userId="4801e06f-c74b-485f-b362-ab0302cee3b8" providerId="ADAL" clId="{DBB1EA01-B783-4754-B0D6-281DE9AD6410}" dt="2022-08-20T02:49:34.485" v="69" actId="1076"/>
+          <ac:cxnSpMkLst>
+            <pc:docMk/>
+            <pc:sldMk cId="639808581" sldId="256"/>
+            <ac:cxnSpMk id="8" creationId="{40BE3A15-2D1C-82AB-CBC5-6F2C8A593752}"/>
+          </ac:cxnSpMkLst>
+        </pc:cxnChg>
+        <pc:cxnChg chg="add mod">
+          <ac:chgData name="Xinglin Yu" userId="4801e06f-c74b-485f-b362-ab0302cee3b8" providerId="ADAL" clId="{DBB1EA01-B783-4754-B0D6-281DE9AD6410}" dt="2022-08-20T02:49:34.485" v="69" actId="1076"/>
+          <ac:cxnSpMkLst>
+            <pc:docMk/>
+            <pc:sldMk cId="639808581" sldId="256"/>
+            <ac:cxnSpMk id="12" creationId="{9670C8FA-DAA5-3EA6-68BA-AB3949E29CAE}"/>
+          </ac:cxnSpMkLst>
+        </pc:cxnChg>
+      </pc:sldChg>
+      <pc:sldChg chg="addSp delSp modSp add mod">
+        <pc:chgData name="Xinglin Yu" userId="4801e06f-c74b-485f-b362-ab0302cee3b8" providerId="ADAL" clId="{DBB1EA01-B783-4754-B0D6-281DE9AD6410}" dt="2022-08-20T05:19:17.023" v="88" actId="14100"/>
+        <pc:sldMkLst>
+          <pc:docMk/>
+          <pc:sldMk cId="2554107067" sldId="257"/>
+        </pc:sldMkLst>
+        <pc:picChg chg="add mod">
+          <ac:chgData name="Xinglin Yu" userId="4801e06f-c74b-485f-b362-ab0302cee3b8" providerId="ADAL" clId="{DBB1EA01-B783-4754-B0D6-281DE9AD6410}" dt="2022-08-20T05:19:17.023" v="88" actId="14100"/>
+          <ac:picMkLst>
+            <pc:docMk/>
+            <pc:sldMk cId="2554107067" sldId="257"/>
+            <ac:picMk id="3" creationId="{74F0C1A5-EDC0-DCB8-8740-C3698F57C1AA}"/>
+          </ac:picMkLst>
+        </pc:picChg>
+        <pc:picChg chg="del">
+          <ac:chgData name="Xinglin Yu" userId="4801e06f-c74b-485f-b362-ab0302cee3b8" providerId="ADAL" clId="{DBB1EA01-B783-4754-B0D6-281DE9AD6410}" dt="2022-08-20T05:19:03.287" v="83" actId="478"/>
+          <ac:picMkLst>
+            <pc:docMk/>
+            <pc:sldMk cId="2554107067" sldId="257"/>
+            <ac:picMk id="52" creationId="{0EAE333F-CDC4-6954-5817-946038E36883}"/>
+          </ac:picMkLst>
+        </pc:picChg>
+      </pc:sldChg>
+    </pc:docChg>
+  </pc:docChgLst>
   <pc:docChgLst>
     <pc:chgData name="Xinglin Yu" userId="4801e06f-c74b-485f-b362-ab0302cee3b8" providerId="ADAL" clId="{0E5A6FC6-F6DF-468D-B330-A7CE6DC8BE5E}"/>
     <pc:docChg chg="undo custSel addSld modSld">
@@ -579,7 +768,7 @@
           <a:p>
             <a:fld id="{BE9A2E65-51B0-4A68-B7AD-8AD8D1BF5E49}" type="datetimeFigureOut">
               <a:rPr lang="en-US" smtClean="0"/>
-              <a:t>8/11/2022</a:t>
+              <a:t>8/20/2022</a:t>
             </a:fld>
             <a:endParaRPr lang="en-US"/>
           </a:p>
@@ -777,7 +966,7 @@
           <a:p>
             <a:fld id="{BE9A2E65-51B0-4A68-B7AD-8AD8D1BF5E49}" type="datetimeFigureOut">
               <a:rPr lang="en-US" smtClean="0"/>
-              <a:t>8/11/2022</a:t>
+              <a:t>8/20/2022</a:t>
             </a:fld>
             <a:endParaRPr lang="en-US"/>
           </a:p>
@@ -985,7 +1174,7 @@
           <a:p>
             <a:fld id="{BE9A2E65-51B0-4A68-B7AD-8AD8D1BF5E49}" type="datetimeFigureOut">
               <a:rPr lang="en-US" smtClean="0"/>
-              <a:t>8/11/2022</a:t>
+              <a:t>8/20/2022</a:t>
             </a:fld>
             <a:endParaRPr lang="en-US"/>
           </a:p>
@@ -1183,7 +1372,7 @@
           <a:p>
             <a:fld id="{BE9A2E65-51B0-4A68-B7AD-8AD8D1BF5E49}" type="datetimeFigureOut">
               <a:rPr lang="en-US" smtClean="0"/>
-              <a:t>8/11/2022</a:t>
+              <a:t>8/20/2022</a:t>
             </a:fld>
             <a:endParaRPr lang="en-US"/>
           </a:p>
@@ -1458,7 +1647,7 @@
           <a:p>
             <a:fld id="{BE9A2E65-51B0-4A68-B7AD-8AD8D1BF5E49}" type="datetimeFigureOut">
               <a:rPr lang="en-US" smtClean="0"/>
-              <a:t>8/11/2022</a:t>
+              <a:t>8/20/2022</a:t>
             </a:fld>
             <a:endParaRPr lang="en-US"/>
           </a:p>
@@ -1723,7 +1912,7 @@
           <a:p>
             <a:fld id="{BE9A2E65-51B0-4A68-B7AD-8AD8D1BF5E49}" type="datetimeFigureOut">
               <a:rPr lang="en-US" smtClean="0"/>
-              <a:t>8/11/2022</a:t>
+              <a:t>8/20/2022</a:t>
             </a:fld>
             <a:endParaRPr lang="en-US"/>
           </a:p>
@@ -2135,7 +2324,7 @@
           <a:p>
             <a:fld id="{BE9A2E65-51B0-4A68-B7AD-8AD8D1BF5E49}" type="datetimeFigureOut">
               <a:rPr lang="en-US" smtClean="0"/>
-              <a:t>8/11/2022</a:t>
+              <a:t>8/20/2022</a:t>
             </a:fld>
             <a:endParaRPr lang="en-US"/>
           </a:p>
@@ -2276,7 +2465,7 @@
           <a:p>
             <a:fld id="{BE9A2E65-51B0-4A68-B7AD-8AD8D1BF5E49}" type="datetimeFigureOut">
               <a:rPr lang="en-US" smtClean="0"/>
-              <a:t>8/11/2022</a:t>
+              <a:t>8/20/2022</a:t>
             </a:fld>
             <a:endParaRPr lang="en-US"/>
           </a:p>
@@ -2389,7 +2578,7 @@
           <a:p>
             <a:fld id="{BE9A2E65-51B0-4A68-B7AD-8AD8D1BF5E49}" type="datetimeFigureOut">
               <a:rPr lang="en-US" smtClean="0"/>
-              <a:t>8/11/2022</a:t>
+              <a:t>8/20/2022</a:t>
             </a:fld>
             <a:endParaRPr lang="en-US"/>
           </a:p>
@@ -2700,7 +2889,7 @@
           <a:p>
             <a:fld id="{BE9A2E65-51B0-4A68-B7AD-8AD8D1BF5E49}" type="datetimeFigureOut">
               <a:rPr lang="en-US" smtClean="0"/>
-              <a:t>8/11/2022</a:t>
+              <a:t>8/20/2022</a:t>
             </a:fld>
             <a:endParaRPr lang="en-US"/>
           </a:p>
@@ -2988,7 +3177,7 @@
           <a:p>
             <a:fld id="{BE9A2E65-51B0-4A68-B7AD-8AD8D1BF5E49}" type="datetimeFigureOut">
               <a:rPr lang="en-US" smtClean="0"/>
-              <a:t>8/11/2022</a:t>
+              <a:t>8/20/2022</a:t>
             </a:fld>
             <a:endParaRPr lang="en-US"/>
           </a:p>
@@ -3229,7 +3418,7 @@
           <a:p>
             <a:fld id="{BE9A2E65-51B0-4A68-B7AD-8AD8D1BF5E49}" type="datetimeFigureOut">
               <a:rPr lang="en-US" smtClean="0"/>
-              <a:t>8/11/2022</a:t>
+              <a:t>8/20/2022</a:t>
             </a:fld>
             <a:endParaRPr lang="en-US"/>
           </a:p>
@@ -3648,6 +3837,440 @@
       </p:grpSpPr>
       <p:pic>
         <p:nvPicPr>
+          <p:cNvPr id="3" name="Picture 2" descr="A picture containing chart&#10;&#10;Description automatically generated">
+            <a:extLst>
+              <a:ext uri="{FF2B5EF4-FFF2-40B4-BE49-F238E27FC236}">
+                <a16:creationId xmlns:a16="http://schemas.microsoft.com/office/drawing/2014/main" id="{BF82CCBE-BB9F-B949-AFBA-D447D6A0E8F0}"/>
+              </a:ext>
+            </a:extLst>
+          </p:cNvPr>
+          <p:cNvPicPr>
+            <a:picLocks noChangeAspect="1"/>
+          </p:cNvPicPr>
+          <p:nvPr/>
+        </p:nvPicPr>
+        <p:blipFill>
+          <a:blip r:embed="rId2">
+            <a:extLst>
+              <a:ext uri="{28A0092B-C50C-407E-A947-70E740481C1C}">
+                <a14:useLocalDpi xmlns:a14="http://schemas.microsoft.com/office/drawing/2010/main" val="0"/>
+              </a:ext>
+            </a:extLst>
+          </a:blip>
+          <a:stretch>
+            <a:fillRect/>
+          </a:stretch>
+        </p:blipFill>
+        <p:spPr>
+          <a:xfrm>
+            <a:off x="1051040" y="1686195"/>
+            <a:ext cx="2429214" cy="2762636"/>
+          </a:xfrm>
+          <a:prstGeom prst="rect">
+            <a:avLst/>
+          </a:prstGeom>
+        </p:spPr>
+      </p:pic>
+      <p:cxnSp>
+        <p:nvCxnSpPr>
+          <p:cNvPr id="8" name="Straight Arrow Connector 7">
+            <a:extLst>
+              <a:ext uri="{FF2B5EF4-FFF2-40B4-BE49-F238E27FC236}">
+                <a16:creationId xmlns:a16="http://schemas.microsoft.com/office/drawing/2014/main" id="{40BE3A15-2D1C-82AB-CBC5-6F2C8A593752}"/>
+              </a:ext>
+            </a:extLst>
+          </p:cNvPr>
+          <p:cNvCxnSpPr>
+            <a:cxnSpLocks/>
+          </p:cNvCxnSpPr>
+          <p:nvPr/>
+        </p:nvCxnSpPr>
+        <p:spPr>
+          <a:xfrm>
+            <a:off x="4116094" y="2948832"/>
+            <a:ext cx="0" cy="785091"/>
+          </a:xfrm>
+          <a:prstGeom prst="straightConnector1">
+            <a:avLst/>
+          </a:prstGeom>
+          <a:ln>
+            <a:headEnd type="triangle"/>
+            <a:tailEnd type="triangle"/>
+          </a:ln>
+        </p:spPr>
+        <p:style>
+          <a:lnRef idx="1">
+            <a:schemeClr val="accent1"/>
+          </a:lnRef>
+          <a:fillRef idx="0">
+            <a:schemeClr val="accent1"/>
+          </a:fillRef>
+          <a:effectRef idx="0">
+            <a:schemeClr val="accent1"/>
+          </a:effectRef>
+          <a:fontRef idx="minor">
+            <a:schemeClr val="tx1"/>
+          </a:fontRef>
+        </p:style>
+      </p:cxnSp>
+      <p:cxnSp>
+        <p:nvCxnSpPr>
+          <p:cNvPr id="12" name="Straight Arrow Connector 11">
+            <a:extLst>
+              <a:ext uri="{FF2B5EF4-FFF2-40B4-BE49-F238E27FC236}">
+                <a16:creationId xmlns:a16="http://schemas.microsoft.com/office/drawing/2014/main" id="{9670C8FA-DAA5-3EA6-68BA-AB3949E29CAE}"/>
+              </a:ext>
+            </a:extLst>
+          </p:cNvPr>
+          <p:cNvCxnSpPr>
+            <a:cxnSpLocks/>
+          </p:cNvCxnSpPr>
+          <p:nvPr/>
+        </p:nvCxnSpPr>
+        <p:spPr>
+          <a:xfrm>
+            <a:off x="3743174" y="3341377"/>
+            <a:ext cx="745837" cy="0"/>
+          </a:xfrm>
+          <a:prstGeom prst="straightConnector1">
+            <a:avLst/>
+          </a:prstGeom>
+          <a:ln>
+            <a:headEnd type="triangle"/>
+            <a:tailEnd type="triangle"/>
+          </a:ln>
+        </p:spPr>
+        <p:style>
+          <a:lnRef idx="1">
+            <a:schemeClr val="accent1"/>
+          </a:lnRef>
+          <a:fillRef idx="0">
+            <a:schemeClr val="accent1"/>
+          </a:fillRef>
+          <a:effectRef idx="0">
+            <a:schemeClr val="accent1"/>
+          </a:effectRef>
+          <a:fontRef idx="minor">
+            <a:schemeClr val="tx1"/>
+          </a:fontRef>
+        </p:style>
+      </p:cxnSp>
+      <p:sp>
+        <p:nvSpPr>
+          <p:cNvPr id="16" name="TextBox 15">
+            <a:extLst>
+              <a:ext uri="{FF2B5EF4-FFF2-40B4-BE49-F238E27FC236}">
+                <a16:creationId xmlns:a16="http://schemas.microsoft.com/office/drawing/2014/main" id="{90369E94-9F14-3DD9-115D-69BFB0582011}"/>
+              </a:ext>
+            </a:extLst>
+          </p:cNvPr>
+          <p:cNvSpPr txBox="1"/>
+          <p:nvPr/>
+        </p:nvSpPr>
+        <p:spPr>
+          <a:xfrm>
+            <a:off x="3576757" y="3059668"/>
+            <a:ext cx="527709" cy="369332"/>
+          </a:xfrm>
+          <a:prstGeom prst="rect">
+            <a:avLst/>
+          </a:prstGeom>
+          <a:noFill/>
+        </p:spPr>
+        <p:txBody>
+          <a:bodyPr wrap="none" rtlCol="0">
+            <a:spAutoFit/>
+          </a:bodyPr>
+          <a:lstStyle/>
+          <a:p>
+            <a:r>
+              <a:rPr lang="en-US" dirty="0"/>
+              <a:t>a=0</a:t>
+            </a:r>
+          </a:p>
+        </p:txBody>
+      </p:sp>
+      <p:sp>
+        <p:nvSpPr>
+          <p:cNvPr id="18" name="TextBox 17">
+            <a:extLst>
+              <a:ext uri="{FF2B5EF4-FFF2-40B4-BE49-F238E27FC236}">
+                <a16:creationId xmlns:a16="http://schemas.microsoft.com/office/drawing/2014/main" id="{150291C8-870C-FC01-360E-16CD3E03CED0}"/>
+              </a:ext>
+            </a:extLst>
+          </p:cNvPr>
+          <p:cNvSpPr txBox="1"/>
+          <p:nvPr/>
+        </p:nvSpPr>
+        <p:spPr>
+          <a:xfrm>
+            <a:off x="4147760" y="3059668"/>
+            <a:ext cx="527709" cy="369332"/>
+          </a:xfrm>
+          <a:prstGeom prst="rect">
+            <a:avLst/>
+          </a:prstGeom>
+          <a:noFill/>
+        </p:spPr>
+        <p:txBody>
+          <a:bodyPr wrap="none" rtlCol="0">
+            <a:spAutoFit/>
+          </a:bodyPr>
+          <a:lstStyle/>
+          <a:p>
+            <a:r>
+              <a:rPr lang="en-US" dirty="0"/>
+              <a:t>a=2</a:t>
+            </a:r>
+          </a:p>
+        </p:txBody>
+      </p:sp>
+      <p:sp>
+        <p:nvSpPr>
+          <p:cNvPr id="20" name="TextBox 19">
+            <a:extLst>
+              <a:ext uri="{FF2B5EF4-FFF2-40B4-BE49-F238E27FC236}">
+                <a16:creationId xmlns:a16="http://schemas.microsoft.com/office/drawing/2014/main" id="{AA1FB8C1-660D-1367-291F-7A10D31AC4AA}"/>
+              </a:ext>
+            </a:extLst>
+          </p:cNvPr>
+          <p:cNvSpPr txBox="1"/>
+          <p:nvPr/>
+        </p:nvSpPr>
+        <p:spPr>
+          <a:xfrm>
+            <a:off x="3883906" y="3613666"/>
+            <a:ext cx="527709" cy="369332"/>
+          </a:xfrm>
+          <a:prstGeom prst="rect">
+            <a:avLst/>
+          </a:prstGeom>
+          <a:noFill/>
+        </p:spPr>
+        <p:txBody>
+          <a:bodyPr wrap="none" rtlCol="0">
+            <a:spAutoFit/>
+          </a:bodyPr>
+          <a:lstStyle/>
+          <a:p>
+            <a:r>
+              <a:rPr lang="en-US" dirty="0"/>
+              <a:t>a=1</a:t>
+            </a:r>
+          </a:p>
+        </p:txBody>
+      </p:sp>
+      <p:sp>
+        <p:nvSpPr>
+          <p:cNvPr id="22" name="TextBox 21">
+            <a:extLst>
+              <a:ext uri="{FF2B5EF4-FFF2-40B4-BE49-F238E27FC236}">
+                <a16:creationId xmlns:a16="http://schemas.microsoft.com/office/drawing/2014/main" id="{413158EC-1576-C507-9C71-4F38718FB02D}"/>
+              </a:ext>
+            </a:extLst>
+          </p:cNvPr>
+          <p:cNvSpPr txBox="1"/>
+          <p:nvPr/>
+        </p:nvSpPr>
+        <p:spPr>
+          <a:xfrm>
+            <a:off x="3868074" y="2690336"/>
+            <a:ext cx="527709" cy="369332"/>
+          </a:xfrm>
+          <a:prstGeom prst="rect">
+            <a:avLst/>
+          </a:prstGeom>
+          <a:noFill/>
+        </p:spPr>
+        <p:txBody>
+          <a:bodyPr wrap="none" rtlCol="0">
+            <a:spAutoFit/>
+          </a:bodyPr>
+          <a:lstStyle/>
+          <a:p>
+            <a:r>
+              <a:rPr lang="en-US" dirty="0"/>
+              <a:t>a=3</a:t>
+            </a:r>
+          </a:p>
+        </p:txBody>
+      </p:sp>
+      <p:sp>
+        <p:nvSpPr>
+          <p:cNvPr id="23" name="TextBox 22">
+            <a:extLst>
+              <a:ext uri="{FF2B5EF4-FFF2-40B4-BE49-F238E27FC236}">
+                <a16:creationId xmlns:a16="http://schemas.microsoft.com/office/drawing/2014/main" id="{A3D41C89-43E8-2B35-CCEE-D375BDD52CF5}"/>
+              </a:ext>
+            </a:extLst>
+          </p:cNvPr>
+          <p:cNvSpPr txBox="1"/>
+          <p:nvPr/>
+        </p:nvSpPr>
+        <p:spPr>
+          <a:xfrm>
+            <a:off x="941977" y="2290618"/>
+            <a:ext cx="632289" cy="369332"/>
+          </a:xfrm>
+          <a:prstGeom prst="rect">
+            <a:avLst/>
+          </a:prstGeom>
+          <a:noFill/>
+        </p:spPr>
+        <p:txBody>
+          <a:bodyPr wrap="none" rtlCol="0">
+            <a:spAutoFit/>
+          </a:bodyPr>
+          <a:lstStyle/>
+          <a:p>
+            <a:r>
+              <a:rPr lang="en-US" altLang="zh-CN" dirty="0"/>
+              <a:t>Start</a:t>
+            </a:r>
+            <a:endParaRPr lang="en-US" dirty="0"/>
+          </a:p>
+        </p:txBody>
+      </p:sp>
+      <p:sp>
+        <p:nvSpPr>
+          <p:cNvPr id="25" name="TextBox 24">
+            <a:extLst>
+              <a:ext uri="{FF2B5EF4-FFF2-40B4-BE49-F238E27FC236}">
+                <a16:creationId xmlns:a16="http://schemas.microsoft.com/office/drawing/2014/main" id="{BDF6FD15-A703-BD5E-E3B3-0327210736D0}"/>
+              </a:ext>
+            </a:extLst>
+          </p:cNvPr>
+          <p:cNvSpPr txBox="1"/>
+          <p:nvPr/>
+        </p:nvSpPr>
+        <p:spPr>
+          <a:xfrm>
+            <a:off x="2771720" y="4143908"/>
+            <a:ext cx="615874" cy="369332"/>
+          </a:xfrm>
+          <a:prstGeom prst="rect">
+            <a:avLst/>
+          </a:prstGeom>
+          <a:noFill/>
+        </p:spPr>
+        <p:txBody>
+          <a:bodyPr wrap="none" rtlCol="0">
+            <a:spAutoFit/>
+          </a:bodyPr>
+          <a:lstStyle/>
+          <a:p>
+            <a:r>
+              <a:rPr lang="en-US" altLang="zh-CN" dirty="0"/>
+              <a:t>Goal</a:t>
+            </a:r>
+            <a:endParaRPr lang="en-US" dirty="0"/>
+          </a:p>
+        </p:txBody>
+      </p:sp>
+      <p:sp>
+        <p:nvSpPr>
+          <p:cNvPr id="27" name="TextBox 26">
+            <a:extLst>
+              <a:ext uri="{FF2B5EF4-FFF2-40B4-BE49-F238E27FC236}">
+                <a16:creationId xmlns:a16="http://schemas.microsoft.com/office/drawing/2014/main" id="{3C7CECF9-45F9-3D3F-D5EB-689FD5BD4093}"/>
+              </a:ext>
+            </a:extLst>
+          </p:cNvPr>
+          <p:cNvSpPr txBox="1"/>
+          <p:nvPr/>
+        </p:nvSpPr>
+        <p:spPr>
+          <a:xfrm>
+            <a:off x="1569456" y="2744551"/>
+            <a:ext cx="619080" cy="369332"/>
+          </a:xfrm>
+          <a:prstGeom prst="rect">
+            <a:avLst/>
+          </a:prstGeom>
+          <a:noFill/>
+        </p:spPr>
+        <p:txBody>
+          <a:bodyPr wrap="none" rtlCol="0">
+            <a:spAutoFit/>
+          </a:bodyPr>
+          <a:lstStyle/>
+          <a:p>
+            <a:r>
+              <a:rPr lang="en-US" altLang="zh-CN" dirty="0"/>
+              <a:t>Hole</a:t>
+            </a:r>
+            <a:endParaRPr lang="en-US" dirty="0"/>
+          </a:p>
+        </p:txBody>
+      </p:sp>
+      <p:sp>
+        <p:nvSpPr>
+          <p:cNvPr id="30" name="TextBox 29">
+            <a:extLst>
+              <a:ext uri="{FF2B5EF4-FFF2-40B4-BE49-F238E27FC236}">
+                <a16:creationId xmlns:a16="http://schemas.microsoft.com/office/drawing/2014/main" id="{EE51208D-4E00-ED98-7983-577CC27D5C98}"/>
+              </a:ext>
+            </a:extLst>
+          </p:cNvPr>
+          <p:cNvSpPr txBox="1"/>
+          <p:nvPr/>
+        </p:nvSpPr>
+        <p:spPr>
+          <a:xfrm>
+            <a:off x="1569456" y="2290618"/>
+            <a:ext cx="809132" cy="369332"/>
+          </a:xfrm>
+          <a:prstGeom prst="rect">
+            <a:avLst/>
+          </a:prstGeom>
+          <a:noFill/>
+        </p:spPr>
+        <p:txBody>
+          <a:bodyPr wrap="none" rtlCol="0">
+            <a:spAutoFit/>
+          </a:bodyPr>
+          <a:lstStyle/>
+          <a:p>
+            <a:r>
+              <a:rPr lang="en-US" altLang="zh-CN" dirty="0"/>
+              <a:t>Frozen</a:t>
+            </a:r>
+            <a:endParaRPr lang="en-US" dirty="0"/>
+          </a:p>
+        </p:txBody>
+      </p:sp>
+    </p:spTree>
+    <p:extLst>
+      <p:ext uri="{BB962C8B-B14F-4D97-AF65-F5344CB8AC3E}">
+        <p14:creationId xmlns:p14="http://schemas.microsoft.com/office/powerpoint/2010/main" val="639808581"/>
+      </p:ext>
+    </p:extLst>
+  </p:cSld>
+  <p:clrMapOvr>
+    <a:masterClrMapping/>
+  </p:clrMapOvr>
+</p:sld>
+</file>
+
+<file path=ppt/slides/slide2.xml><?xml version="1.0" encoding="utf-8"?>
+<p:sld xmlns:a="http://schemas.openxmlformats.org/drawingml/2006/main" xmlns:r="http://schemas.openxmlformats.org/officeDocument/2006/relationships" xmlns:p="http://schemas.openxmlformats.org/presentationml/2006/main">
+  <p:cSld>
+    <p:spTree>
+      <p:nvGrpSpPr>
+        <p:cNvPr id="1" name=""/>
+        <p:cNvGrpSpPr/>
+        <p:nvPr/>
+      </p:nvGrpSpPr>
+      <p:grpSpPr>
+        <a:xfrm>
+          <a:off x="0" y="0"/>
+          <a:ext cx="0" cy="0"/>
+          <a:chOff x="0" y="0"/>
+          <a:chExt cx="0" cy="0"/>
+        </a:xfrm>
+      </p:grpSpPr>
+      <p:pic>
+        <p:nvPicPr>
           <p:cNvPr id="11" name="Picture 10" descr="Calendar&#10;&#10;Description automatically generated with medium confidence">
             <a:extLst>
               <a:ext uri="{FF2B5EF4-FFF2-40B4-BE49-F238E27FC236}">
@@ -3825,10 +4448,10 @@
       </p:sp>
       <p:pic>
         <p:nvPicPr>
-          <p:cNvPr id="52" name="Picture 51" descr="Calendar&#10;&#10;Description automatically generated">
-            <a:extLst>
-              <a:ext uri="{FF2B5EF4-FFF2-40B4-BE49-F238E27FC236}">
-                <a16:creationId xmlns:a16="http://schemas.microsoft.com/office/drawing/2014/main" id="{0EAE333F-CDC4-6954-5817-946038E36883}"/>
+          <p:cNvPr id="3" name="Picture 2" descr="Calendar&#10;&#10;Description automatically generated">
+            <a:extLst>
+              <a:ext uri="{FF2B5EF4-FFF2-40B4-BE49-F238E27FC236}">
+                <a16:creationId xmlns:a16="http://schemas.microsoft.com/office/drawing/2014/main" id="{74F0C1A5-EDC0-DCB8-8740-C3698F57C1AA}"/>
               </a:ext>
             </a:extLst>
           </p:cNvPr>
@@ -3851,8 +4474,8 @@
         </p:blipFill>
         <p:spPr>
           <a:xfrm>
-            <a:off x="8573072" y="922999"/>
-            <a:ext cx="3312024" cy="3766616"/>
+            <a:off x="8675179" y="922998"/>
+            <a:ext cx="3312025" cy="3766617"/>
           </a:xfrm>
           <a:prstGeom prst="rect">
             <a:avLst/>
@@ -3862,7 +4485,7 @@
     </p:spTree>
     <p:extLst>
       <p:ext uri="{BB962C8B-B14F-4D97-AF65-F5344CB8AC3E}">
-        <p14:creationId xmlns:p14="http://schemas.microsoft.com/office/powerpoint/2010/main" val="639808581"/>
+        <p14:creationId xmlns:p14="http://schemas.microsoft.com/office/powerpoint/2010/main" val="2554107067"/>
       </p:ext>
     </p:extLst>
   </p:cSld>
